--- a/15_Ch16_ConsumerGroup.pptx
+++ b/15_Ch16_ConsumerGroup.pptx
@@ -6895,15 +6895,7 @@
                   <a:schemeClr val="tx1"/>
                 </a:solidFill>
               </a:rPr>
-              <a:t>Single </a:t>
-            </a:r>
-            <a:r>
-              <a:rPr lang="en-US" altLang="zh-TW" sz="1800" b="1" dirty="0" err="1">
-                <a:solidFill>
-                  <a:schemeClr val="tx1"/>
-                </a:solidFill>
-              </a:rPr>
-              <a:t>cusumer</a:t>
+              <a:t>Single consumer</a:t>
             </a:r>
             <a:endParaRPr lang="en-US" altLang="zh-TW" sz="1800" dirty="0">
               <a:solidFill>
@@ -7062,7 +7054,7 @@
         </p:blipFill>
         <p:spPr>
           <a:xfrm>
-            <a:off x="1333500" y="2047875"/>
+            <a:off x="1405508" y="2047875"/>
             <a:ext cx="6477000" cy="2762250"/>
           </a:xfrm>
           <a:prstGeom prst="rect">
